--- a/発表用/1821086_中間発表_発表前最終調整.pptx
+++ b/発表用/1821086_中間発表_発表前最終調整.pptx
@@ -19,7 +19,7 @@
     <p:sldId id="267" r:id="rId10"/>
   </p:sldIdLst>
   <p:sldSz cx="9144000" cy="6858000" type="screen4x3"/>
-  <p:notesSz cx="6858000" cy="9144000"/>
+  <p:notesSz cx="6735763" cy="9866313"/>
   <p:defaultTextStyle>
     <a:defPPr>
       <a:defRPr lang="ja-JP"/>
@@ -187,7 +187,7 @@
         <p:spPr>
           <a:xfrm>
             <a:off x="0" y="0"/>
-            <a:ext cx="2971800" cy="458788"/>
+            <a:ext cx="2918831" cy="495029"/>
           </a:xfrm>
           <a:prstGeom prst="rect">
             <a:avLst/>
@@ -217,8 +217,8 @@
         </p:nvSpPr>
         <p:spPr>
           <a:xfrm>
-            <a:off x="3884613" y="0"/>
-            <a:ext cx="2971800" cy="458788"/>
+            <a:off x="3815373" y="0"/>
+            <a:ext cx="2918831" cy="495029"/>
           </a:xfrm>
           <a:prstGeom prst="rect">
             <a:avLst/>
@@ -252,8 +252,8 @@
         </p:nvSpPr>
         <p:spPr>
           <a:xfrm>
-            <a:off x="1371600" y="1143000"/>
-            <a:ext cx="4114800" cy="3086100"/>
+            <a:off x="1149350" y="1233488"/>
+            <a:ext cx="4437063" cy="3328987"/>
           </a:xfrm>
           <a:prstGeom prst="rect">
             <a:avLst/>
@@ -285,8 +285,8 @@
         </p:nvSpPr>
         <p:spPr>
           <a:xfrm>
-            <a:off x="685800" y="4400550"/>
-            <a:ext cx="5486400" cy="3600450"/>
+            <a:off x="673577" y="4748163"/>
+            <a:ext cx="5388610" cy="3884861"/>
           </a:xfrm>
           <a:prstGeom prst="rect">
             <a:avLst/>
@@ -376,8 +376,8 @@
         </p:nvSpPr>
         <p:spPr>
           <a:xfrm>
-            <a:off x="0" y="8685213"/>
-            <a:ext cx="2971800" cy="458787"/>
+            <a:off x="0" y="9371286"/>
+            <a:ext cx="2918831" cy="495028"/>
           </a:xfrm>
           <a:prstGeom prst="rect">
             <a:avLst/>
@@ -407,8 +407,8 @@
         </p:nvSpPr>
         <p:spPr>
           <a:xfrm>
-            <a:off x="3884613" y="8685213"/>
-            <a:ext cx="2971800" cy="458787"/>
+            <a:off x="3815373" y="9371286"/>
+            <a:ext cx="2918831" cy="495028"/>
           </a:xfrm>
           <a:prstGeom prst="rect">
             <a:avLst/>
@@ -4507,79 +4507,67 @@
               <a:rPr lang="ja-JP" altLang="en-US" sz="2400" dirty="0">
                 <a:latin typeface="ＭＳ Ｐゴシック" panose="020B0600070205080204" pitchFamily="50" charset="-128"/>
               </a:rPr>
-              <a:t>後藤</a:t>
+              <a:t>後藤滋樹</a:t>
+            </a:r>
+            <a:r>
+              <a:rPr lang="en-US" altLang="ja-JP" sz="2400" dirty="0">
+                <a:latin typeface="ＭＳ Ｐゴシック" panose="020B0600070205080204" pitchFamily="50" charset="-128"/>
+              </a:rPr>
+              <a:t>HTTP</a:t>
             </a:r>
             <a:r>
               <a:rPr lang="ja-JP" altLang="en-US" sz="2400" dirty="0">
                 <a:latin typeface="ＭＳ Ｐゴシック" panose="020B0600070205080204" pitchFamily="50" charset="-128"/>
               </a:rPr>
-              <a:t>滋樹</a:t>
+              <a:t>セッションのハンドオーバによる</a:t>
             </a:r>
             <a:r>
               <a:rPr lang="en-US" altLang="ja-JP" sz="2400" dirty="0">
                 <a:latin typeface="ＭＳ Ｐゴシック" panose="020B0600070205080204" pitchFamily="50" charset="-128"/>
               </a:rPr>
-              <a:t>HTTP</a:t>
+              <a:t>WEB</a:t>
             </a:r>
             <a:r>
               <a:rPr lang="ja-JP" altLang="en-US" sz="2400" dirty="0">
                 <a:latin typeface="ＭＳ Ｐゴシック" panose="020B0600070205080204" pitchFamily="50" charset="-128"/>
               </a:rPr>
-              <a:t>セッションのハンドオーバによる</a:t>
+              <a:t>サーバのロードバランス </a:t>
             </a:r>
             <a:r>
               <a:rPr lang="en-US" altLang="ja-JP" sz="2400" dirty="0">
                 <a:latin typeface="ＭＳ Ｐゴシック" panose="020B0600070205080204" pitchFamily="50" charset="-128"/>
               </a:rPr>
-              <a:t>WEB</a:t>
+              <a:t>(</a:t>
             </a:r>
             <a:r>
               <a:rPr lang="ja-JP" altLang="en-US" sz="2400" dirty="0">
                 <a:latin typeface="ＭＳ Ｐゴシック" panose="020B0600070205080204" pitchFamily="50" charset="-128"/>
               </a:rPr>
-              <a:t>サーバのロードバランス </a:t>
+              <a:t>分散システム</a:t>
             </a:r>
             <a:r>
               <a:rPr lang="en-US" altLang="ja-JP" sz="2400" dirty="0">
                 <a:latin typeface="ＭＳ Ｐゴシック" panose="020B0600070205080204" pitchFamily="50" charset="-128"/>
               </a:rPr>
-              <a:t>(</a:t>
+              <a:t>/</a:t>
             </a:r>
             <a:r>
               <a:rPr lang="ja-JP" altLang="en-US" sz="2400" dirty="0">
                 <a:latin typeface="ＭＳ Ｐゴシック" panose="020B0600070205080204" pitchFamily="50" charset="-128"/>
               </a:rPr>
-              <a:t>分散システム</a:t>
+              <a:t>インターネット運用技術・高品質インターネット</a:t>
             </a:r>
             <a:r>
               <a:rPr lang="en-US" altLang="ja-JP" sz="2400" dirty="0">
                 <a:latin typeface="ＭＳ Ｐゴシック" panose="020B0600070205080204" pitchFamily="50" charset="-128"/>
               </a:rPr>
-              <a:t>/</a:t>
+              <a:t>)</a:t>
             </a:r>
             <a:r>
               <a:rPr lang="ja-JP" altLang="en-US" sz="2400" dirty="0">
                 <a:latin typeface="ＭＳ Ｐゴシック" panose="020B0600070205080204" pitchFamily="50" charset="-128"/>
               </a:rPr>
-              <a:t>インターネット運用技術・高品質インターネット</a:t>
-            </a:r>
-            <a:r>
-              <a:rPr lang="en-US" altLang="ja-JP" sz="2400" dirty="0">
-                <a:latin typeface="ＭＳ Ｐゴシック" panose="020B0600070205080204" pitchFamily="50" charset="-128"/>
-              </a:rPr>
-              <a:t>)</a:t>
-            </a:r>
-            <a:r>
-              <a:rPr lang="ja-JP" altLang="en-US" sz="2400" dirty="0">
-                <a:latin typeface="ＭＳ Ｐゴシック" panose="020B0600070205080204" pitchFamily="50" charset="-128"/>
-              </a:rPr>
-              <a:t>掲載誌 </a:t>
-            </a:r>
-            <a:r>
-              <a:rPr lang="ja-JP" altLang="en-US" sz="2400" dirty="0">
-                <a:latin typeface="ＭＳ Ｐゴシック" panose="020B0600070205080204" pitchFamily="50" charset="-128"/>
-              </a:rPr>
-              <a:t>情報処理学会研究報告 </a:t>
+              <a:t>掲載誌 情報処理学会研究報告 </a:t>
             </a:r>
             <a:r>
               <a:rPr lang="en-US" altLang="ja-JP" sz="2400" dirty="0">
